--- a/ppt 16-9/1257.小羊之歌.pptx
+++ b/ppt 16-9/1257.小羊之歌.pptx
@@ -5,7 +5,7 @@
     <p:sldMasterId id="2147483648" r:id="rId1"/>
   </p:sldMasterIdLst>
   <p:sldIdLst>
-    <p:sldId id="805" r:id="rId2"/>
+    <p:sldId id="807" r:id="rId2"/>
   </p:sldIdLst>
   <p:sldSz cx="12192000" cy="6858000"/>
   <p:notesSz cx="6858000" cy="9144000"/>
@@ -129,7 +129,7 @@
           <p:cNvPr id="2" name="标题 1">
             <a:extLst>
               <a:ext uri="{FF2B5EF4-FFF2-40B4-BE49-F238E27FC236}">
-                <a16:creationId xmlns:a16="http://schemas.microsoft.com/office/drawing/2014/main" id="{1C03C4A9-3C59-61FC-52A6-762978B01CB4}"/>
+                <a16:creationId xmlns:a16="http://schemas.microsoft.com/office/drawing/2014/main" id="{D2E275A7-7537-8A66-7D1A-2B339A0E8B1D}"/>
               </a:ext>
             </a:extLst>
           </p:cNvPr>
@@ -166,7 +166,7 @@
           <p:cNvPr id="3" name="副标题 2">
             <a:extLst>
               <a:ext uri="{FF2B5EF4-FFF2-40B4-BE49-F238E27FC236}">
-                <a16:creationId xmlns:a16="http://schemas.microsoft.com/office/drawing/2014/main" id="{5FF7D834-F611-848E-6CDA-F8DFB2F2DFE0}"/>
+                <a16:creationId xmlns:a16="http://schemas.microsoft.com/office/drawing/2014/main" id="{EB9EB257-8F70-B8FF-00DC-3BF6DC138409}"/>
               </a:ext>
             </a:extLst>
           </p:cNvPr>
@@ -236,7 +236,7 @@
           <p:cNvPr id="4" name="日期占位符 3">
             <a:extLst>
               <a:ext uri="{FF2B5EF4-FFF2-40B4-BE49-F238E27FC236}">
-                <a16:creationId xmlns:a16="http://schemas.microsoft.com/office/drawing/2014/main" id="{C8121943-8731-C2DE-7619-CA3C79ABDAB2}"/>
+                <a16:creationId xmlns:a16="http://schemas.microsoft.com/office/drawing/2014/main" id="{74525398-90B7-2C3D-891C-02BE5AAEF523}"/>
               </a:ext>
             </a:extLst>
           </p:cNvPr>
@@ -252,7 +252,7 @@
           <a:bodyPr/>
           <a:lstStyle/>
           <a:p>
-            <a:fld id="{F260C23D-86C0-45DC-B65E-B6E14744EC4B}" type="datetimeFigureOut">
+            <a:fld id="{047C0055-7E9A-4348-BA9B-1481B27B5703}" type="datetimeFigureOut">
               <a:rPr lang="zh-CN" altLang="en-US" smtClean="0"/>
               <a:t>2024/3/10</a:t>
             </a:fld>
@@ -265,7 +265,7 @@
           <p:cNvPr id="5" name="页脚占位符 4">
             <a:extLst>
               <a:ext uri="{FF2B5EF4-FFF2-40B4-BE49-F238E27FC236}">
-                <a16:creationId xmlns:a16="http://schemas.microsoft.com/office/drawing/2014/main" id="{6FFEC14C-8F8F-4A2B-539A-94D9277F7176}"/>
+                <a16:creationId xmlns:a16="http://schemas.microsoft.com/office/drawing/2014/main" id="{13DE047E-D53A-8B55-870C-8691984F63D2}"/>
               </a:ext>
             </a:extLst>
           </p:cNvPr>
@@ -290,7 +290,7 @@
           <p:cNvPr id="6" name="灯片编号占位符 5">
             <a:extLst>
               <a:ext uri="{FF2B5EF4-FFF2-40B4-BE49-F238E27FC236}">
-                <a16:creationId xmlns:a16="http://schemas.microsoft.com/office/drawing/2014/main" id="{EC929C68-32C0-352F-682C-059C120FC9C9}"/>
+                <a16:creationId xmlns:a16="http://schemas.microsoft.com/office/drawing/2014/main" id="{B065FC2B-3102-7A83-2D67-E6933F2152BB}"/>
               </a:ext>
             </a:extLst>
           </p:cNvPr>
@@ -306,7 +306,7 @@
           <a:bodyPr/>
           <a:lstStyle/>
           <a:p>
-            <a:fld id="{8EEE5BE5-B43B-4C5D-8122-BB3DFE96128A}" type="slidenum">
+            <a:fld id="{EC53DE58-2B02-4D7A-B0E7-4AD0EE5419A5}" type="slidenum">
               <a:rPr lang="zh-CN" altLang="en-US" smtClean="0"/>
               <a:t>‹#›</a:t>
             </a:fld>
@@ -317,7 +317,7 @@
     </p:spTree>
     <p:extLst>
       <p:ext uri="{BB962C8B-B14F-4D97-AF65-F5344CB8AC3E}">
-        <p14:creationId xmlns:p14="http://schemas.microsoft.com/office/powerpoint/2010/main" val="688581641"/>
+        <p14:creationId xmlns:p14="http://schemas.microsoft.com/office/powerpoint/2010/main" val="259748317"/>
       </p:ext>
     </p:extLst>
   </p:cSld>
@@ -349,7 +349,7 @@
           <p:cNvPr id="2" name="标题 1">
             <a:extLst>
               <a:ext uri="{FF2B5EF4-FFF2-40B4-BE49-F238E27FC236}">
-                <a16:creationId xmlns:a16="http://schemas.microsoft.com/office/drawing/2014/main" id="{F09B33A2-134A-482F-1108-AAC4A68D9418}"/>
+                <a16:creationId xmlns:a16="http://schemas.microsoft.com/office/drawing/2014/main" id="{FE338383-C738-891A-E7E2-AFF68D9C8CB8}"/>
               </a:ext>
             </a:extLst>
           </p:cNvPr>
@@ -377,7 +377,7 @@
           <p:cNvPr id="3" name="竖排文字占位符 2">
             <a:extLst>
               <a:ext uri="{FF2B5EF4-FFF2-40B4-BE49-F238E27FC236}">
-                <a16:creationId xmlns:a16="http://schemas.microsoft.com/office/drawing/2014/main" id="{51222F33-2CE6-3412-4B74-4953D6C9CDC6}"/>
+                <a16:creationId xmlns:a16="http://schemas.microsoft.com/office/drawing/2014/main" id="{4FFF6D54-C85E-16DA-084F-E90B267392EE}"/>
               </a:ext>
             </a:extLst>
           </p:cNvPr>
@@ -434,7 +434,7 @@
           <p:cNvPr id="4" name="日期占位符 3">
             <a:extLst>
               <a:ext uri="{FF2B5EF4-FFF2-40B4-BE49-F238E27FC236}">
-                <a16:creationId xmlns:a16="http://schemas.microsoft.com/office/drawing/2014/main" id="{17E66C10-E2B0-AAD5-BF76-7998591086E2}"/>
+                <a16:creationId xmlns:a16="http://schemas.microsoft.com/office/drawing/2014/main" id="{B9EA5643-A67C-DB9E-582C-9FD908D52D72}"/>
               </a:ext>
             </a:extLst>
           </p:cNvPr>
@@ -450,7 +450,7 @@
           <a:bodyPr/>
           <a:lstStyle/>
           <a:p>
-            <a:fld id="{F260C23D-86C0-45DC-B65E-B6E14744EC4B}" type="datetimeFigureOut">
+            <a:fld id="{047C0055-7E9A-4348-BA9B-1481B27B5703}" type="datetimeFigureOut">
               <a:rPr lang="zh-CN" altLang="en-US" smtClean="0"/>
               <a:t>2024/3/10</a:t>
             </a:fld>
@@ -463,7 +463,7 @@
           <p:cNvPr id="5" name="页脚占位符 4">
             <a:extLst>
               <a:ext uri="{FF2B5EF4-FFF2-40B4-BE49-F238E27FC236}">
-                <a16:creationId xmlns:a16="http://schemas.microsoft.com/office/drawing/2014/main" id="{9003F893-46B4-D8BE-796B-1F3CCC91D529}"/>
+                <a16:creationId xmlns:a16="http://schemas.microsoft.com/office/drawing/2014/main" id="{80A048C3-637C-261C-837B-4B4E23084701}"/>
               </a:ext>
             </a:extLst>
           </p:cNvPr>
@@ -488,7 +488,7 @@
           <p:cNvPr id="6" name="灯片编号占位符 5">
             <a:extLst>
               <a:ext uri="{FF2B5EF4-FFF2-40B4-BE49-F238E27FC236}">
-                <a16:creationId xmlns:a16="http://schemas.microsoft.com/office/drawing/2014/main" id="{A3B3DAFC-21F7-4EA4-4D73-E0B3AF0D4ADF}"/>
+                <a16:creationId xmlns:a16="http://schemas.microsoft.com/office/drawing/2014/main" id="{E8AFA333-5578-2731-5547-D12849592A02}"/>
               </a:ext>
             </a:extLst>
           </p:cNvPr>
@@ -504,7 +504,7 @@
           <a:bodyPr/>
           <a:lstStyle/>
           <a:p>
-            <a:fld id="{8EEE5BE5-B43B-4C5D-8122-BB3DFE96128A}" type="slidenum">
+            <a:fld id="{EC53DE58-2B02-4D7A-B0E7-4AD0EE5419A5}" type="slidenum">
               <a:rPr lang="zh-CN" altLang="en-US" smtClean="0"/>
               <a:t>‹#›</a:t>
             </a:fld>
@@ -515,7 +515,7 @@
     </p:spTree>
     <p:extLst>
       <p:ext uri="{BB962C8B-B14F-4D97-AF65-F5344CB8AC3E}">
-        <p14:creationId xmlns:p14="http://schemas.microsoft.com/office/powerpoint/2010/main" val="51538827"/>
+        <p14:creationId xmlns:p14="http://schemas.microsoft.com/office/powerpoint/2010/main" val="676474613"/>
       </p:ext>
     </p:extLst>
   </p:cSld>
@@ -547,7 +547,7 @@
           <p:cNvPr id="2" name="竖排标题 1">
             <a:extLst>
               <a:ext uri="{FF2B5EF4-FFF2-40B4-BE49-F238E27FC236}">
-                <a16:creationId xmlns:a16="http://schemas.microsoft.com/office/drawing/2014/main" id="{85E5B490-DFAF-951C-115D-438126EBE3DE}"/>
+                <a16:creationId xmlns:a16="http://schemas.microsoft.com/office/drawing/2014/main" id="{73DE0641-8C87-C83D-A4B6-139A8266F727}"/>
               </a:ext>
             </a:extLst>
           </p:cNvPr>
@@ -580,7 +580,7 @@
           <p:cNvPr id="3" name="竖排文字占位符 2">
             <a:extLst>
               <a:ext uri="{FF2B5EF4-FFF2-40B4-BE49-F238E27FC236}">
-                <a16:creationId xmlns:a16="http://schemas.microsoft.com/office/drawing/2014/main" id="{B7245EC3-0B6D-FBF9-857E-B1EC286EE583}"/>
+                <a16:creationId xmlns:a16="http://schemas.microsoft.com/office/drawing/2014/main" id="{81A8B7B9-0B22-5EFD-3192-BD9AA4345A91}"/>
               </a:ext>
             </a:extLst>
           </p:cNvPr>
@@ -642,7 +642,7 @@
           <p:cNvPr id="4" name="日期占位符 3">
             <a:extLst>
               <a:ext uri="{FF2B5EF4-FFF2-40B4-BE49-F238E27FC236}">
-                <a16:creationId xmlns:a16="http://schemas.microsoft.com/office/drawing/2014/main" id="{CD601E11-6347-5339-98D6-719756995DE1}"/>
+                <a16:creationId xmlns:a16="http://schemas.microsoft.com/office/drawing/2014/main" id="{2EAA700A-A551-812B-88CD-717251556F7A}"/>
               </a:ext>
             </a:extLst>
           </p:cNvPr>
@@ -658,7 +658,7 @@
           <a:bodyPr/>
           <a:lstStyle/>
           <a:p>
-            <a:fld id="{F260C23D-86C0-45DC-B65E-B6E14744EC4B}" type="datetimeFigureOut">
+            <a:fld id="{047C0055-7E9A-4348-BA9B-1481B27B5703}" type="datetimeFigureOut">
               <a:rPr lang="zh-CN" altLang="en-US" smtClean="0"/>
               <a:t>2024/3/10</a:t>
             </a:fld>
@@ -671,7 +671,7 @@
           <p:cNvPr id="5" name="页脚占位符 4">
             <a:extLst>
               <a:ext uri="{FF2B5EF4-FFF2-40B4-BE49-F238E27FC236}">
-                <a16:creationId xmlns:a16="http://schemas.microsoft.com/office/drawing/2014/main" id="{7CA21210-9B79-4219-FC98-F15C9B3E1C37}"/>
+                <a16:creationId xmlns:a16="http://schemas.microsoft.com/office/drawing/2014/main" id="{BBD62E8E-F022-323C-8495-BADF67EF0416}"/>
               </a:ext>
             </a:extLst>
           </p:cNvPr>
@@ -696,7 +696,7 @@
           <p:cNvPr id="6" name="灯片编号占位符 5">
             <a:extLst>
               <a:ext uri="{FF2B5EF4-FFF2-40B4-BE49-F238E27FC236}">
-                <a16:creationId xmlns:a16="http://schemas.microsoft.com/office/drawing/2014/main" id="{D9D740A5-6F15-AC37-C09B-08BE1E7FFCF0}"/>
+                <a16:creationId xmlns:a16="http://schemas.microsoft.com/office/drawing/2014/main" id="{D894909F-A677-1060-A8A8-0D221766AADC}"/>
               </a:ext>
             </a:extLst>
           </p:cNvPr>
@@ -712,7 +712,7 @@
           <a:bodyPr/>
           <a:lstStyle/>
           <a:p>
-            <a:fld id="{8EEE5BE5-B43B-4C5D-8122-BB3DFE96128A}" type="slidenum">
+            <a:fld id="{EC53DE58-2B02-4D7A-B0E7-4AD0EE5419A5}" type="slidenum">
               <a:rPr lang="zh-CN" altLang="en-US" smtClean="0"/>
               <a:t>‹#›</a:t>
             </a:fld>
@@ -723,7 +723,7 @@
     </p:spTree>
     <p:extLst>
       <p:ext uri="{BB962C8B-B14F-4D97-AF65-F5344CB8AC3E}">
-        <p14:creationId xmlns:p14="http://schemas.microsoft.com/office/powerpoint/2010/main" val="3970213257"/>
+        <p14:creationId xmlns:p14="http://schemas.microsoft.com/office/powerpoint/2010/main" val="2945802394"/>
       </p:ext>
     </p:extLst>
   </p:cSld>
@@ -755,7 +755,7 @@
           <p:cNvPr id="2" name="标题 1">
             <a:extLst>
               <a:ext uri="{FF2B5EF4-FFF2-40B4-BE49-F238E27FC236}">
-                <a16:creationId xmlns:a16="http://schemas.microsoft.com/office/drawing/2014/main" id="{87168083-4952-1911-0975-CCC851B17BEE}"/>
+                <a16:creationId xmlns:a16="http://schemas.microsoft.com/office/drawing/2014/main" id="{167CFF77-A559-FE0F-3E4A-FB7B6523159C}"/>
               </a:ext>
             </a:extLst>
           </p:cNvPr>
@@ -783,7 +783,7 @@
           <p:cNvPr id="3" name="内容占位符 2">
             <a:extLst>
               <a:ext uri="{FF2B5EF4-FFF2-40B4-BE49-F238E27FC236}">
-                <a16:creationId xmlns:a16="http://schemas.microsoft.com/office/drawing/2014/main" id="{C83B7FE6-B55B-A65A-0BFF-8542195FA0B4}"/>
+                <a16:creationId xmlns:a16="http://schemas.microsoft.com/office/drawing/2014/main" id="{82C61625-6F2D-2FFF-DDD3-05CB8BEA1F65}"/>
               </a:ext>
             </a:extLst>
           </p:cNvPr>
@@ -840,7 +840,7 @@
           <p:cNvPr id="4" name="日期占位符 3">
             <a:extLst>
               <a:ext uri="{FF2B5EF4-FFF2-40B4-BE49-F238E27FC236}">
-                <a16:creationId xmlns:a16="http://schemas.microsoft.com/office/drawing/2014/main" id="{C1306CC2-B1FB-6AA9-40C8-C0F5A9005F6A}"/>
+                <a16:creationId xmlns:a16="http://schemas.microsoft.com/office/drawing/2014/main" id="{AA69AA4D-B6BC-D742-F5AD-4E6CEA60ADEA}"/>
               </a:ext>
             </a:extLst>
           </p:cNvPr>
@@ -856,7 +856,7 @@
           <a:bodyPr/>
           <a:lstStyle/>
           <a:p>
-            <a:fld id="{F260C23D-86C0-45DC-B65E-B6E14744EC4B}" type="datetimeFigureOut">
+            <a:fld id="{047C0055-7E9A-4348-BA9B-1481B27B5703}" type="datetimeFigureOut">
               <a:rPr lang="zh-CN" altLang="en-US" smtClean="0"/>
               <a:t>2024/3/10</a:t>
             </a:fld>
@@ -869,7 +869,7 @@
           <p:cNvPr id="5" name="页脚占位符 4">
             <a:extLst>
               <a:ext uri="{FF2B5EF4-FFF2-40B4-BE49-F238E27FC236}">
-                <a16:creationId xmlns:a16="http://schemas.microsoft.com/office/drawing/2014/main" id="{9923F266-6176-C6D2-3930-76EF3931171F}"/>
+                <a16:creationId xmlns:a16="http://schemas.microsoft.com/office/drawing/2014/main" id="{5488FA45-B278-AFB5-802E-780DAB8F58CE}"/>
               </a:ext>
             </a:extLst>
           </p:cNvPr>
@@ -894,7 +894,7 @@
           <p:cNvPr id="6" name="灯片编号占位符 5">
             <a:extLst>
               <a:ext uri="{FF2B5EF4-FFF2-40B4-BE49-F238E27FC236}">
-                <a16:creationId xmlns:a16="http://schemas.microsoft.com/office/drawing/2014/main" id="{C5B06B6E-6C7E-19C7-C427-DFC03B7B8714}"/>
+                <a16:creationId xmlns:a16="http://schemas.microsoft.com/office/drawing/2014/main" id="{6538AC30-07F3-D146-5D6B-3CFBCE2029FE}"/>
               </a:ext>
             </a:extLst>
           </p:cNvPr>
@@ -910,7 +910,7 @@
           <a:bodyPr/>
           <a:lstStyle/>
           <a:p>
-            <a:fld id="{8EEE5BE5-B43B-4C5D-8122-BB3DFE96128A}" type="slidenum">
+            <a:fld id="{EC53DE58-2B02-4D7A-B0E7-4AD0EE5419A5}" type="slidenum">
               <a:rPr lang="zh-CN" altLang="en-US" smtClean="0"/>
               <a:t>‹#›</a:t>
             </a:fld>
@@ -921,7 +921,7 @@
     </p:spTree>
     <p:extLst>
       <p:ext uri="{BB962C8B-B14F-4D97-AF65-F5344CB8AC3E}">
-        <p14:creationId xmlns:p14="http://schemas.microsoft.com/office/powerpoint/2010/main" val="130070940"/>
+        <p14:creationId xmlns:p14="http://schemas.microsoft.com/office/powerpoint/2010/main" val="588351850"/>
       </p:ext>
     </p:extLst>
   </p:cSld>
@@ -953,7 +953,7 @@
           <p:cNvPr id="2" name="标题 1">
             <a:extLst>
               <a:ext uri="{FF2B5EF4-FFF2-40B4-BE49-F238E27FC236}">
-                <a16:creationId xmlns:a16="http://schemas.microsoft.com/office/drawing/2014/main" id="{C44A02F4-EC6F-9F46-D169-377A655CBC0E}"/>
+                <a16:creationId xmlns:a16="http://schemas.microsoft.com/office/drawing/2014/main" id="{4D9AC95E-A679-4869-DD43-C28956475039}"/>
               </a:ext>
             </a:extLst>
           </p:cNvPr>
@@ -990,7 +990,7 @@
           <p:cNvPr id="3" name="文本占位符 2">
             <a:extLst>
               <a:ext uri="{FF2B5EF4-FFF2-40B4-BE49-F238E27FC236}">
-                <a16:creationId xmlns:a16="http://schemas.microsoft.com/office/drawing/2014/main" id="{9D1524DE-4069-77FE-F607-263C8360187F}"/>
+                <a16:creationId xmlns:a16="http://schemas.microsoft.com/office/drawing/2014/main" id="{350DA698-123C-3223-6A0C-3AB2B7B90C9C}"/>
               </a:ext>
             </a:extLst>
           </p:cNvPr>
@@ -1115,7 +1115,7 @@
           <p:cNvPr id="4" name="日期占位符 3">
             <a:extLst>
               <a:ext uri="{FF2B5EF4-FFF2-40B4-BE49-F238E27FC236}">
-                <a16:creationId xmlns:a16="http://schemas.microsoft.com/office/drawing/2014/main" id="{1CFA8DF4-7633-DE67-F137-38C4D8C43141}"/>
+                <a16:creationId xmlns:a16="http://schemas.microsoft.com/office/drawing/2014/main" id="{B74C59E3-7F0C-2773-3865-AE70B209B2CF}"/>
               </a:ext>
             </a:extLst>
           </p:cNvPr>
@@ -1131,7 +1131,7 @@
           <a:bodyPr/>
           <a:lstStyle/>
           <a:p>
-            <a:fld id="{F260C23D-86C0-45DC-B65E-B6E14744EC4B}" type="datetimeFigureOut">
+            <a:fld id="{047C0055-7E9A-4348-BA9B-1481B27B5703}" type="datetimeFigureOut">
               <a:rPr lang="zh-CN" altLang="en-US" smtClean="0"/>
               <a:t>2024/3/10</a:t>
             </a:fld>
@@ -1144,7 +1144,7 @@
           <p:cNvPr id="5" name="页脚占位符 4">
             <a:extLst>
               <a:ext uri="{FF2B5EF4-FFF2-40B4-BE49-F238E27FC236}">
-                <a16:creationId xmlns:a16="http://schemas.microsoft.com/office/drawing/2014/main" id="{80AF2B41-C194-BEA1-36B8-2D0357B49F0C}"/>
+                <a16:creationId xmlns:a16="http://schemas.microsoft.com/office/drawing/2014/main" id="{638250F0-CD26-C7E1-3054-BB2DBC73814E}"/>
               </a:ext>
             </a:extLst>
           </p:cNvPr>
@@ -1169,7 +1169,7 @@
           <p:cNvPr id="6" name="灯片编号占位符 5">
             <a:extLst>
               <a:ext uri="{FF2B5EF4-FFF2-40B4-BE49-F238E27FC236}">
-                <a16:creationId xmlns:a16="http://schemas.microsoft.com/office/drawing/2014/main" id="{3D1C0333-530A-4526-6DD6-F562609E1F3C}"/>
+                <a16:creationId xmlns:a16="http://schemas.microsoft.com/office/drawing/2014/main" id="{A9019DDF-5583-4A07-DA32-5D5C13F96DB8}"/>
               </a:ext>
             </a:extLst>
           </p:cNvPr>
@@ -1185,7 +1185,7 @@
           <a:bodyPr/>
           <a:lstStyle/>
           <a:p>
-            <a:fld id="{8EEE5BE5-B43B-4C5D-8122-BB3DFE96128A}" type="slidenum">
+            <a:fld id="{EC53DE58-2B02-4D7A-B0E7-4AD0EE5419A5}" type="slidenum">
               <a:rPr lang="zh-CN" altLang="en-US" smtClean="0"/>
               <a:t>‹#›</a:t>
             </a:fld>
@@ -1196,7 +1196,7 @@
     </p:spTree>
     <p:extLst>
       <p:ext uri="{BB962C8B-B14F-4D97-AF65-F5344CB8AC3E}">
-        <p14:creationId xmlns:p14="http://schemas.microsoft.com/office/powerpoint/2010/main" val="2468571295"/>
+        <p14:creationId xmlns:p14="http://schemas.microsoft.com/office/powerpoint/2010/main" val="983767686"/>
       </p:ext>
     </p:extLst>
   </p:cSld>
@@ -1228,7 +1228,7 @@
           <p:cNvPr id="2" name="标题 1">
             <a:extLst>
               <a:ext uri="{FF2B5EF4-FFF2-40B4-BE49-F238E27FC236}">
-                <a16:creationId xmlns:a16="http://schemas.microsoft.com/office/drawing/2014/main" id="{5D97567B-5DD5-4C89-9F7E-DEFB697E7898}"/>
+                <a16:creationId xmlns:a16="http://schemas.microsoft.com/office/drawing/2014/main" id="{F4AFC030-D0C6-3BF9-F852-EFBAD751C856}"/>
               </a:ext>
             </a:extLst>
           </p:cNvPr>
@@ -1256,7 +1256,7 @@
           <p:cNvPr id="3" name="内容占位符 2">
             <a:extLst>
               <a:ext uri="{FF2B5EF4-FFF2-40B4-BE49-F238E27FC236}">
-                <a16:creationId xmlns:a16="http://schemas.microsoft.com/office/drawing/2014/main" id="{EB2F62EF-9858-D83C-8997-F97439E77267}"/>
+                <a16:creationId xmlns:a16="http://schemas.microsoft.com/office/drawing/2014/main" id="{FFB60849-27F1-3947-8435-CADA3463BF81}"/>
               </a:ext>
             </a:extLst>
           </p:cNvPr>
@@ -1318,7 +1318,7 @@
           <p:cNvPr id="4" name="内容占位符 3">
             <a:extLst>
               <a:ext uri="{FF2B5EF4-FFF2-40B4-BE49-F238E27FC236}">
-                <a16:creationId xmlns:a16="http://schemas.microsoft.com/office/drawing/2014/main" id="{44D13158-2BCF-D1A8-3954-0B1D2787EF5A}"/>
+                <a16:creationId xmlns:a16="http://schemas.microsoft.com/office/drawing/2014/main" id="{F20ED87F-4930-EF0A-F323-634DB7445669}"/>
               </a:ext>
             </a:extLst>
           </p:cNvPr>
@@ -1380,7 +1380,7 @@
           <p:cNvPr id="5" name="日期占位符 4">
             <a:extLst>
               <a:ext uri="{FF2B5EF4-FFF2-40B4-BE49-F238E27FC236}">
-                <a16:creationId xmlns:a16="http://schemas.microsoft.com/office/drawing/2014/main" id="{BFE3635B-E08D-3655-C798-C095D0BC1896}"/>
+                <a16:creationId xmlns:a16="http://schemas.microsoft.com/office/drawing/2014/main" id="{75AC1FB0-7FB2-9010-5DCB-48904FDA588D}"/>
               </a:ext>
             </a:extLst>
           </p:cNvPr>
@@ -1396,7 +1396,7 @@
           <a:bodyPr/>
           <a:lstStyle/>
           <a:p>
-            <a:fld id="{F260C23D-86C0-45DC-B65E-B6E14744EC4B}" type="datetimeFigureOut">
+            <a:fld id="{047C0055-7E9A-4348-BA9B-1481B27B5703}" type="datetimeFigureOut">
               <a:rPr lang="zh-CN" altLang="en-US" smtClean="0"/>
               <a:t>2024/3/10</a:t>
             </a:fld>
@@ -1409,7 +1409,7 @@
           <p:cNvPr id="6" name="页脚占位符 5">
             <a:extLst>
               <a:ext uri="{FF2B5EF4-FFF2-40B4-BE49-F238E27FC236}">
-                <a16:creationId xmlns:a16="http://schemas.microsoft.com/office/drawing/2014/main" id="{4287F3D0-4716-ABDE-36E0-52A69B8C399B}"/>
+                <a16:creationId xmlns:a16="http://schemas.microsoft.com/office/drawing/2014/main" id="{18CC292B-9132-43FF-ECBC-AAFB71A3BF17}"/>
               </a:ext>
             </a:extLst>
           </p:cNvPr>
@@ -1434,7 +1434,7 @@
           <p:cNvPr id="7" name="灯片编号占位符 6">
             <a:extLst>
               <a:ext uri="{FF2B5EF4-FFF2-40B4-BE49-F238E27FC236}">
-                <a16:creationId xmlns:a16="http://schemas.microsoft.com/office/drawing/2014/main" id="{BAD9D033-DE8A-49A9-D109-8BE12656ACFB}"/>
+                <a16:creationId xmlns:a16="http://schemas.microsoft.com/office/drawing/2014/main" id="{A85A720E-51AC-9F20-6C2F-0AC2A0A91DFA}"/>
               </a:ext>
             </a:extLst>
           </p:cNvPr>
@@ -1450,7 +1450,7 @@
           <a:bodyPr/>
           <a:lstStyle/>
           <a:p>
-            <a:fld id="{8EEE5BE5-B43B-4C5D-8122-BB3DFE96128A}" type="slidenum">
+            <a:fld id="{EC53DE58-2B02-4D7A-B0E7-4AD0EE5419A5}" type="slidenum">
               <a:rPr lang="zh-CN" altLang="en-US" smtClean="0"/>
               <a:t>‹#›</a:t>
             </a:fld>
@@ -1461,7 +1461,7 @@
     </p:spTree>
     <p:extLst>
       <p:ext uri="{BB962C8B-B14F-4D97-AF65-F5344CB8AC3E}">
-        <p14:creationId xmlns:p14="http://schemas.microsoft.com/office/powerpoint/2010/main" val="3836394188"/>
+        <p14:creationId xmlns:p14="http://schemas.microsoft.com/office/powerpoint/2010/main" val="778414575"/>
       </p:ext>
     </p:extLst>
   </p:cSld>
@@ -1493,7 +1493,7 @@
           <p:cNvPr id="2" name="标题 1">
             <a:extLst>
               <a:ext uri="{FF2B5EF4-FFF2-40B4-BE49-F238E27FC236}">
-                <a16:creationId xmlns:a16="http://schemas.microsoft.com/office/drawing/2014/main" id="{F1043B63-83B3-6726-F596-5D014FF6BBB2}"/>
+                <a16:creationId xmlns:a16="http://schemas.microsoft.com/office/drawing/2014/main" id="{19A38B42-17D2-1950-D2BA-569BA89DA70D}"/>
               </a:ext>
             </a:extLst>
           </p:cNvPr>
@@ -1526,7 +1526,7 @@
           <p:cNvPr id="3" name="文本占位符 2">
             <a:extLst>
               <a:ext uri="{FF2B5EF4-FFF2-40B4-BE49-F238E27FC236}">
-                <a16:creationId xmlns:a16="http://schemas.microsoft.com/office/drawing/2014/main" id="{3FAD392E-4D6B-A048-76C5-0E8099BED5DC}"/>
+                <a16:creationId xmlns:a16="http://schemas.microsoft.com/office/drawing/2014/main" id="{54288C49-FEC8-609C-E706-04A689191D63}"/>
               </a:ext>
             </a:extLst>
           </p:cNvPr>
@@ -1597,7 +1597,7 @@
           <p:cNvPr id="4" name="内容占位符 3">
             <a:extLst>
               <a:ext uri="{FF2B5EF4-FFF2-40B4-BE49-F238E27FC236}">
-                <a16:creationId xmlns:a16="http://schemas.microsoft.com/office/drawing/2014/main" id="{616E4FC4-CCD6-1DA6-C644-A9F3C460A82D}"/>
+                <a16:creationId xmlns:a16="http://schemas.microsoft.com/office/drawing/2014/main" id="{226D5D96-3360-F5D1-C838-C9B0EA37D2FC}"/>
               </a:ext>
             </a:extLst>
           </p:cNvPr>
@@ -1659,7 +1659,7 @@
           <p:cNvPr id="5" name="文本占位符 4">
             <a:extLst>
               <a:ext uri="{FF2B5EF4-FFF2-40B4-BE49-F238E27FC236}">
-                <a16:creationId xmlns:a16="http://schemas.microsoft.com/office/drawing/2014/main" id="{D9E5A9F0-8F76-6440-DEC5-FDD062909107}"/>
+                <a16:creationId xmlns:a16="http://schemas.microsoft.com/office/drawing/2014/main" id="{263C80AB-288A-2E62-D843-928525137473}"/>
               </a:ext>
             </a:extLst>
           </p:cNvPr>
@@ -1730,7 +1730,7 @@
           <p:cNvPr id="6" name="内容占位符 5">
             <a:extLst>
               <a:ext uri="{FF2B5EF4-FFF2-40B4-BE49-F238E27FC236}">
-                <a16:creationId xmlns:a16="http://schemas.microsoft.com/office/drawing/2014/main" id="{D3D42053-9219-87A3-8E56-140C4BC581DB}"/>
+                <a16:creationId xmlns:a16="http://schemas.microsoft.com/office/drawing/2014/main" id="{2D9C0EF8-2F37-7C36-15CC-B6CCC1EC55A3}"/>
               </a:ext>
             </a:extLst>
           </p:cNvPr>
@@ -1792,7 +1792,7 @@
           <p:cNvPr id="7" name="日期占位符 6">
             <a:extLst>
               <a:ext uri="{FF2B5EF4-FFF2-40B4-BE49-F238E27FC236}">
-                <a16:creationId xmlns:a16="http://schemas.microsoft.com/office/drawing/2014/main" id="{21EF1538-543F-B738-A959-BEC6800D6326}"/>
+                <a16:creationId xmlns:a16="http://schemas.microsoft.com/office/drawing/2014/main" id="{5BD7955F-CE43-4DA3-D59E-A88F7AE5AC44}"/>
               </a:ext>
             </a:extLst>
           </p:cNvPr>
@@ -1808,7 +1808,7 @@
           <a:bodyPr/>
           <a:lstStyle/>
           <a:p>
-            <a:fld id="{F260C23D-86C0-45DC-B65E-B6E14744EC4B}" type="datetimeFigureOut">
+            <a:fld id="{047C0055-7E9A-4348-BA9B-1481B27B5703}" type="datetimeFigureOut">
               <a:rPr lang="zh-CN" altLang="en-US" smtClean="0"/>
               <a:t>2024/3/10</a:t>
             </a:fld>
@@ -1821,7 +1821,7 @@
           <p:cNvPr id="8" name="页脚占位符 7">
             <a:extLst>
               <a:ext uri="{FF2B5EF4-FFF2-40B4-BE49-F238E27FC236}">
-                <a16:creationId xmlns:a16="http://schemas.microsoft.com/office/drawing/2014/main" id="{1125F564-16A2-9766-B002-3756CC0A932F}"/>
+                <a16:creationId xmlns:a16="http://schemas.microsoft.com/office/drawing/2014/main" id="{39EA014F-4A43-23E7-A09C-5FE19FD10D1F}"/>
               </a:ext>
             </a:extLst>
           </p:cNvPr>
@@ -1846,7 +1846,7 @@
           <p:cNvPr id="9" name="灯片编号占位符 8">
             <a:extLst>
               <a:ext uri="{FF2B5EF4-FFF2-40B4-BE49-F238E27FC236}">
-                <a16:creationId xmlns:a16="http://schemas.microsoft.com/office/drawing/2014/main" id="{4D0336FC-89A8-3277-AC4D-708999A90676}"/>
+                <a16:creationId xmlns:a16="http://schemas.microsoft.com/office/drawing/2014/main" id="{2F75776A-EB97-B5D7-4412-910C6DBC82D2}"/>
               </a:ext>
             </a:extLst>
           </p:cNvPr>
@@ -1862,7 +1862,7 @@
           <a:bodyPr/>
           <a:lstStyle/>
           <a:p>
-            <a:fld id="{8EEE5BE5-B43B-4C5D-8122-BB3DFE96128A}" type="slidenum">
+            <a:fld id="{EC53DE58-2B02-4D7A-B0E7-4AD0EE5419A5}" type="slidenum">
               <a:rPr lang="zh-CN" altLang="en-US" smtClean="0"/>
               <a:t>‹#›</a:t>
             </a:fld>
@@ -1873,7 +1873,7 @@
     </p:spTree>
     <p:extLst>
       <p:ext uri="{BB962C8B-B14F-4D97-AF65-F5344CB8AC3E}">
-        <p14:creationId xmlns:p14="http://schemas.microsoft.com/office/powerpoint/2010/main" val="3699113328"/>
+        <p14:creationId xmlns:p14="http://schemas.microsoft.com/office/powerpoint/2010/main" val="21194687"/>
       </p:ext>
     </p:extLst>
   </p:cSld>
@@ -1905,7 +1905,7 @@
           <p:cNvPr id="2" name="标题 1">
             <a:extLst>
               <a:ext uri="{FF2B5EF4-FFF2-40B4-BE49-F238E27FC236}">
-                <a16:creationId xmlns:a16="http://schemas.microsoft.com/office/drawing/2014/main" id="{C7CCA31E-F575-B10F-6139-D6D162F1976D}"/>
+                <a16:creationId xmlns:a16="http://schemas.microsoft.com/office/drawing/2014/main" id="{52704DFF-1CCC-D3C0-A9AA-D44F6D70DD8D}"/>
               </a:ext>
             </a:extLst>
           </p:cNvPr>
@@ -1933,7 +1933,7 @@
           <p:cNvPr id="3" name="日期占位符 2">
             <a:extLst>
               <a:ext uri="{FF2B5EF4-FFF2-40B4-BE49-F238E27FC236}">
-                <a16:creationId xmlns:a16="http://schemas.microsoft.com/office/drawing/2014/main" id="{777C6610-87B9-682E-66CC-DD646B0FE449}"/>
+                <a16:creationId xmlns:a16="http://schemas.microsoft.com/office/drawing/2014/main" id="{B85EE84D-67A1-7D77-9F94-CFF9A08B2567}"/>
               </a:ext>
             </a:extLst>
           </p:cNvPr>
@@ -1949,7 +1949,7 @@
           <a:bodyPr/>
           <a:lstStyle/>
           <a:p>
-            <a:fld id="{F260C23D-86C0-45DC-B65E-B6E14744EC4B}" type="datetimeFigureOut">
+            <a:fld id="{047C0055-7E9A-4348-BA9B-1481B27B5703}" type="datetimeFigureOut">
               <a:rPr lang="zh-CN" altLang="en-US" smtClean="0"/>
               <a:t>2024/3/10</a:t>
             </a:fld>
@@ -1962,7 +1962,7 @@
           <p:cNvPr id="4" name="页脚占位符 3">
             <a:extLst>
               <a:ext uri="{FF2B5EF4-FFF2-40B4-BE49-F238E27FC236}">
-                <a16:creationId xmlns:a16="http://schemas.microsoft.com/office/drawing/2014/main" id="{F0F85D73-BBB1-D300-A584-A186642D17A5}"/>
+                <a16:creationId xmlns:a16="http://schemas.microsoft.com/office/drawing/2014/main" id="{483D6685-232F-C987-73A7-D85CF08EE1B0}"/>
               </a:ext>
             </a:extLst>
           </p:cNvPr>
@@ -1987,7 +1987,7 @@
           <p:cNvPr id="5" name="灯片编号占位符 4">
             <a:extLst>
               <a:ext uri="{FF2B5EF4-FFF2-40B4-BE49-F238E27FC236}">
-                <a16:creationId xmlns:a16="http://schemas.microsoft.com/office/drawing/2014/main" id="{26D3332B-D655-C3A6-6CAE-854A65ADC2F0}"/>
+                <a16:creationId xmlns:a16="http://schemas.microsoft.com/office/drawing/2014/main" id="{4782A653-3CEA-A0E2-66F8-CCD278DD890E}"/>
               </a:ext>
             </a:extLst>
           </p:cNvPr>
@@ -2003,7 +2003,7 @@
           <a:bodyPr/>
           <a:lstStyle/>
           <a:p>
-            <a:fld id="{8EEE5BE5-B43B-4C5D-8122-BB3DFE96128A}" type="slidenum">
+            <a:fld id="{EC53DE58-2B02-4D7A-B0E7-4AD0EE5419A5}" type="slidenum">
               <a:rPr lang="zh-CN" altLang="en-US" smtClean="0"/>
               <a:t>‹#›</a:t>
             </a:fld>
@@ -2014,7 +2014,7 @@
     </p:spTree>
     <p:extLst>
       <p:ext uri="{BB962C8B-B14F-4D97-AF65-F5344CB8AC3E}">
-        <p14:creationId xmlns:p14="http://schemas.microsoft.com/office/powerpoint/2010/main" val="3397640260"/>
+        <p14:creationId xmlns:p14="http://schemas.microsoft.com/office/powerpoint/2010/main" val="543044430"/>
       </p:ext>
     </p:extLst>
   </p:cSld>
@@ -2046,7 +2046,7 @@
           <p:cNvPr id="2" name="日期占位符 1">
             <a:extLst>
               <a:ext uri="{FF2B5EF4-FFF2-40B4-BE49-F238E27FC236}">
-                <a16:creationId xmlns:a16="http://schemas.microsoft.com/office/drawing/2014/main" id="{8803508E-F03E-29DC-8F5A-D6DDB63C2300}"/>
+                <a16:creationId xmlns:a16="http://schemas.microsoft.com/office/drawing/2014/main" id="{975B9707-4C61-47B0-EE7E-BF9BCAF3E314}"/>
               </a:ext>
             </a:extLst>
           </p:cNvPr>
@@ -2062,7 +2062,7 @@
           <a:bodyPr/>
           <a:lstStyle/>
           <a:p>
-            <a:fld id="{F260C23D-86C0-45DC-B65E-B6E14744EC4B}" type="datetimeFigureOut">
+            <a:fld id="{047C0055-7E9A-4348-BA9B-1481B27B5703}" type="datetimeFigureOut">
               <a:rPr lang="zh-CN" altLang="en-US" smtClean="0"/>
               <a:t>2024/3/10</a:t>
             </a:fld>
@@ -2075,7 +2075,7 @@
           <p:cNvPr id="3" name="页脚占位符 2">
             <a:extLst>
               <a:ext uri="{FF2B5EF4-FFF2-40B4-BE49-F238E27FC236}">
-                <a16:creationId xmlns:a16="http://schemas.microsoft.com/office/drawing/2014/main" id="{BBAB0F49-A121-739C-417D-EBA34B77E74C}"/>
+                <a16:creationId xmlns:a16="http://schemas.microsoft.com/office/drawing/2014/main" id="{E9152C9D-AB41-FA60-98FB-B1A48A3502F3}"/>
               </a:ext>
             </a:extLst>
           </p:cNvPr>
@@ -2100,7 +2100,7 @@
           <p:cNvPr id="4" name="灯片编号占位符 3">
             <a:extLst>
               <a:ext uri="{FF2B5EF4-FFF2-40B4-BE49-F238E27FC236}">
-                <a16:creationId xmlns:a16="http://schemas.microsoft.com/office/drawing/2014/main" id="{F7C4241E-4307-FE5C-60B3-097FB2E1A577}"/>
+                <a16:creationId xmlns:a16="http://schemas.microsoft.com/office/drawing/2014/main" id="{2E3EE528-E585-FBCD-EA0B-798D3BA836BA}"/>
               </a:ext>
             </a:extLst>
           </p:cNvPr>
@@ -2116,7 +2116,7 @@
           <a:bodyPr/>
           <a:lstStyle/>
           <a:p>
-            <a:fld id="{8EEE5BE5-B43B-4C5D-8122-BB3DFE96128A}" type="slidenum">
+            <a:fld id="{EC53DE58-2B02-4D7A-B0E7-4AD0EE5419A5}" type="slidenum">
               <a:rPr lang="zh-CN" altLang="en-US" smtClean="0"/>
               <a:t>‹#›</a:t>
             </a:fld>
@@ -2127,7 +2127,7 @@
     </p:spTree>
     <p:extLst>
       <p:ext uri="{BB962C8B-B14F-4D97-AF65-F5344CB8AC3E}">
-        <p14:creationId xmlns:p14="http://schemas.microsoft.com/office/powerpoint/2010/main" val="1322427755"/>
+        <p14:creationId xmlns:p14="http://schemas.microsoft.com/office/powerpoint/2010/main" val="3077250887"/>
       </p:ext>
     </p:extLst>
   </p:cSld>
@@ -2159,7 +2159,7 @@
           <p:cNvPr id="2" name="标题 1">
             <a:extLst>
               <a:ext uri="{FF2B5EF4-FFF2-40B4-BE49-F238E27FC236}">
-                <a16:creationId xmlns:a16="http://schemas.microsoft.com/office/drawing/2014/main" id="{0CCDABC8-5715-55DA-4781-259651875061}"/>
+                <a16:creationId xmlns:a16="http://schemas.microsoft.com/office/drawing/2014/main" id="{2CD66BF7-A134-CD05-1C02-BA88D1CEF041}"/>
               </a:ext>
             </a:extLst>
           </p:cNvPr>
@@ -2196,7 +2196,7 @@
           <p:cNvPr id="3" name="内容占位符 2">
             <a:extLst>
               <a:ext uri="{FF2B5EF4-FFF2-40B4-BE49-F238E27FC236}">
-                <a16:creationId xmlns:a16="http://schemas.microsoft.com/office/drawing/2014/main" id="{7DCF1F9D-D12C-D0F8-E0B1-3508A0000F0A}"/>
+                <a16:creationId xmlns:a16="http://schemas.microsoft.com/office/drawing/2014/main" id="{FC891A12-1BD9-055D-0CBA-4380FBE993F5}"/>
               </a:ext>
             </a:extLst>
           </p:cNvPr>
@@ -2286,7 +2286,7 @@
           <p:cNvPr id="4" name="文本占位符 3">
             <a:extLst>
               <a:ext uri="{FF2B5EF4-FFF2-40B4-BE49-F238E27FC236}">
-                <a16:creationId xmlns:a16="http://schemas.microsoft.com/office/drawing/2014/main" id="{CAB85B6B-2F1A-A639-FE6B-258B5D99C88E}"/>
+                <a16:creationId xmlns:a16="http://schemas.microsoft.com/office/drawing/2014/main" id="{384001B9-48A4-03BB-8B0B-4D2B9C3349A5}"/>
               </a:ext>
             </a:extLst>
           </p:cNvPr>
@@ -2357,7 +2357,7 @@
           <p:cNvPr id="5" name="日期占位符 4">
             <a:extLst>
               <a:ext uri="{FF2B5EF4-FFF2-40B4-BE49-F238E27FC236}">
-                <a16:creationId xmlns:a16="http://schemas.microsoft.com/office/drawing/2014/main" id="{CAB6575C-C1AD-00A8-614B-AD5D595F3D63}"/>
+                <a16:creationId xmlns:a16="http://schemas.microsoft.com/office/drawing/2014/main" id="{99DEBAC3-BE71-7E82-583F-7D92D8C6541D}"/>
               </a:ext>
             </a:extLst>
           </p:cNvPr>
@@ -2373,7 +2373,7 @@
           <a:bodyPr/>
           <a:lstStyle/>
           <a:p>
-            <a:fld id="{F260C23D-86C0-45DC-B65E-B6E14744EC4B}" type="datetimeFigureOut">
+            <a:fld id="{047C0055-7E9A-4348-BA9B-1481B27B5703}" type="datetimeFigureOut">
               <a:rPr lang="zh-CN" altLang="en-US" smtClean="0"/>
               <a:t>2024/3/10</a:t>
             </a:fld>
@@ -2386,7 +2386,7 @@
           <p:cNvPr id="6" name="页脚占位符 5">
             <a:extLst>
               <a:ext uri="{FF2B5EF4-FFF2-40B4-BE49-F238E27FC236}">
-                <a16:creationId xmlns:a16="http://schemas.microsoft.com/office/drawing/2014/main" id="{8E32BD53-4C6E-BD4B-7380-4C89A9D78CED}"/>
+                <a16:creationId xmlns:a16="http://schemas.microsoft.com/office/drawing/2014/main" id="{DC2BA9C7-AC17-7C25-3F90-2079B969694B}"/>
               </a:ext>
             </a:extLst>
           </p:cNvPr>
@@ -2411,7 +2411,7 @@
           <p:cNvPr id="7" name="灯片编号占位符 6">
             <a:extLst>
               <a:ext uri="{FF2B5EF4-FFF2-40B4-BE49-F238E27FC236}">
-                <a16:creationId xmlns:a16="http://schemas.microsoft.com/office/drawing/2014/main" id="{57FB37B8-3FA8-5441-301C-2BB999AD8A6A}"/>
+                <a16:creationId xmlns:a16="http://schemas.microsoft.com/office/drawing/2014/main" id="{F4775B42-F543-5B41-A583-48DA4ED9F921}"/>
               </a:ext>
             </a:extLst>
           </p:cNvPr>
@@ -2427,7 +2427,7 @@
           <a:bodyPr/>
           <a:lstStyle/>
           <a:p>
-            <a:fld id="{8EEE5BE5-B43B-4C5D-8122-BB3DFE96128A}" type="slidenum">
+            <a:fld id="{EC53DE58-2B02-4D7A-B0E7-4AD0EE5419A5}" type="slidenum">
               <a:rPr lang="zh-CN" altLang="en-US" smtClean="0"/>
               <a:t>‹#›</a:t>
             </a:fld>
@@ -2438,7 +2438,7 @@
     </p:spTree>
     <p:extLst>
       <p:ext uri="{BB962C8B-B14F-4D97-AF65-F5344CB8AC3E}">
-        <p14:creationId xmlns:p14="http://schemas.microsoft.com/office/powerpoint/2010/main" val="930987465"/>
+        <p14:creationId xmlns:p14="http://schemas.microsoft.com/office/powerpoint/2010/main" val="362979883"/>
       </p:ext>
     </p:extLst>
   </p:cSld>
@@ -2470,7 +2470,7 @@
           <p:cNvPr id="2" name="标题 1">
             <a:extLst>
               <a:ext uri="{FF2B5EF4-FFF2-40B4-BE49-F238E27FC236}">
-                <a16:creationId xmlns:a16="http://schemas.microsoft.com/office/drawing/2014/main" id="{1960EBCB-82EA-A1C4-3D75-05C7BBD833F2}"/>
+                <a16:creationId xmlns:a16="http://schemas.microsoft.com/office/drawing/2014/main" id="{02B065C6-167C-74C0-8E58-E37DC0026387}"/>
               </a:ext>
             </a:extLst>
           </p:cNvPr>
@@ -2507,7 +2507,7 @@
           <p:cNvPr id="3" name="图片占位符 2">
             <a:extLst>
               <a:ext uri="{FF2B5EF4-FFF2-40B4-BE49-F238E27FC236}">
-                <a16:creationId xmlns:a16="http://schemas.microsoft.com/office/drawing/2014/main" id="{19196E35-C3F0-AA98-2A3F-A562C7BDAE3B}"/>
+                <a16:creationId xmlns:a16="http://schemas.microsoft.com/office/drawing/2014/main" id="{37AD52A3-0833-28ED-BE89-29C58C67C544}"/>
               </a:ext>
             </a:extLst>
           </p:cNvPr>
@@ -2574,7 +2574,7 @@
           <p:cNvPr id="4" name="文本占位符 3">
             <a:extLst>
               <a:ext uri="{FF2B5EF4-FFF2-40B4-BE49-F238E27FC236}">
-                <a16:creationId xmlns:a16="http://schemas.microsoft.com/office/drawing/2014/main" id="{8BE7920B-EB5A-EAD1-3EB4-5026FC13B186}"/>
+                <a16:creationId xmlns:a16="http://schemas.microsoft.com/office/drawing/2014/main" id="{4122D654-C44E-48A5-7FFA-5D57E72A0063}"/>
               </a:ext>
             </a:extLst>
           </p:cNvPr>
@@ -2645,7 +2645,7 @@
           <p:cNvPr id="5" name="日期占位符 4">
             <a:extLst>
               <a:ext uri="{FF2B5EF4-FFF2-40B4-BE49-F238E27FC236}">
-                <a16:creationId xmlns:a16="http://schemas.microsoft.com/office/drawing/2014/main" id="{9BAF7234-C644-C3E5-3C04-993DFB76D32A}"/>
+                <a16:creationId xmlns:a16="http://schemas.microsoft.com/office/drawing/2014/main" id="{D1375837-F5E8-B861-7875-55D58461FAB2}"/>
               </a:ext>
             </a:extLst>
           </p:cNvPr>
@@ -2661,7 +2661,7 @@
           <a:bodyPr/>
           <a:lstStyle/>
           <a:p>
-            <a:fld id="{F260C23D-86C0-45DC-B65E-B6E14744EC4B}" type="datetimeFigureOut">
+            <a:fld id="{047C0055-7E9A-4348-BA9B-1481B27B5703}" type="datetimeFigureOut">
               <a:rPr lang="zh-CN" altLang="en-US" smtClean="0"/>
               <a:t>2024/3/10</a:t>
             </a:fld>
@@ -2674,7 +2674,7 @@
           <p:cNvPr id="6" name="页脚占位符 5">
             <a:extLst>
               <a:ext uri="{FF2B5EF4-FFF2-40B4-BE49-F238E27FC236}">
-                <a16:creationId xmlns:a16="http://schemas.microsoft.com/office/drawing/2014/main" id="{3479E013-BA6A-6503-09CB-431CD82030DB}"/>
+                <a16:creationId xmlns:a16="http://schemas.microsoft.com/office/drawing/2014/main" id="{FB89DC03-B544-9FDA-B298-4732266D56FC}"/>
               </a:ext>
             </a:extLst>
           </p:cNvPr>
@@ -2699,7 +2699,7 @@
           <p:cNvPr id="7" name="灯片编号占位符 6">
             <a:extLst>
               <a:ext uri="{FF2B5EF4-FFF2-40B4-BE49-F238E27FC236}">
-                <a16:creationId xmlns:a16="http://schemas.microsoft.com/office/drawing/2014/main" id="{CDF94475-CE49-BCD2-5977-04AFB099259A}"/>
+                <a16:creationId xmlns:a16="http://schemas.microsoft.com/office/drawing/2014/main" id="{1C89002E-2151-7BDB-9D97-A790E01DC302}"/>
               </a:ext>
             </a:extLst>
           </p:cNvPr>
@@ -2715,7 +2715,7 @@
           <a:bodyPr/>
           <a:lstStyle/>
           <a:p>
-            <a:fld id="{8EEE5BE5-B43B-4C5D-8122-BB3DFE96128A}" type="slidenum">
+            <a:fld id="{EC53DE58-2B02-4D7A-B0E7-4AD0EE5419A5}" type="slidenum">
               <a:rPr lang="zh-CN" altLang="en-US" smtClean="0"/>
               <a:t>‹#›</a:t>
             </a:fld>
@@ -2726,7 +2726,7 @@
     </p:spTree>
     <p:extLst>
       <p:ext uri="{BB962C8B-B14F-4D97-AF65-F5344CB8AC3E}">
-        <p14:creationId xmlns:p14="http://schemas.microsoft.com/office/powerpoint/2010/main" val="195271918"/>
+        <p14:creationId xmlns:p14="http://schemas.microsoft.com/office/powerpoint/2010/main" val="1539339032"/>
       </p:ext>
     </p:extLst>
   </p:cSld>
@@ -2763,7 +2763,7 @@
           <p:cNvPr id="2" name="标题占位符 1">
             <a:extLst>
               <a:ext uri="{FF2B5EF4-FFF2-40B4-BE49-F238E27FC236}">
-                <a16:creationId xmlns:a16="http://schemas.microsoft.com/office/drawing/2014/main" id="{CFD2F9D0-4580-42E5-3167-921175AB7C9B}"/>
+                <a16:creationId xmlns:a16="http://schemas.microsoft.com/office/drawing/2014/main" id="{2B2B9AB6-C5B5-B9D5-FD13-EFD8470CFEBF}"/>
               </a:ext>
             </a:extLst>
           </p:cNvPr>
@@ -2801,7 +2801,7 @@
           <p:cNvPr id="3" name="文本占位符 2">
             <a:extLst>
               <a:ext uri="{FF2B5EF4-FFF2-40B4-BE49-F238E27FC236}">
-                <a16:creationId xmlns:a16="http://schemas.microsoft.com/office/drawing/2014/main" id="{B2611D0B-2CA2-B8DB-A2DC-E58A5FB06C07}"/>
+                <a16:creationId xmlns:a16="http://schemas.microsoft.com/office/drawing/2014/main" id="{2F94A2C6-A90B-6E04-AE80-017A6FD1C730}"/>
               </a:ext>
             </a:extLst>
           </p:cNvPr>
@@ -2868,7 +2868,7 @@
           <p:cNvPr id="4" name="日期占位符 3">
             <a:extLst>
               <a:ext uri="{FF2B5EF4-FFF2-40B4-BE49-F238E27FC236}">
-                <a16:creationId xmlns:a16="http://schemas.microsoft.com/office/drawing/2014/main" id="{57F87534-6539-B381-B26D-574B9D6E5BC2}"/>
+                <a16:creationId xmlns:a16="http://schemas.microsoft.com/office/drawing/2014/main" id="{9CDD1216-F238-8B09-1D5D-FB5D17172B01}"/>
               </a:ext>
             </a:extLst>
           </p:cNvPr>
@@ -2902,7 +2902,7 @@
             </a:lvl1pPr>
           </a:lstStyle>
           <a:p>
-            <a:fld id="{F260C23D-86C0-45DC-B65E-B6E14744EC4B}" type="datetimeFigureOut">
+            <a:fld id="{047C0055-7E9A-4348-BA9B-1481B27B5703}" type="datetimeFigureOut">
               <a:rPr lang="zh-CN" altLang="en-US" smtClean="0"/>
               <a:t>2024/3/10</a:t>
             </a:fld>
@@ -2915,7 +2915,7 @@
           <p:cNvPr id="5" name="页脚占位符 4">
             <a:extLst>
               <a:ext uri="{FF2B5EF4-FFF2-40B4-BE49-F238E27FC236}">
-                <a16:creationId xmlns:a16="http://schemas.microsoft.com/office/drawing/2014/main" id="{73C2E534-C1F2-94FC-27E5-3789595363EF}"/>
+                <a16:creationId xmlns:a16="http://schemas.microsoft.com/office/drawing/2014/main" id="{9DC7968E-3A8B-65CE-B60C-37CE366F269E}"/>
               </a:ext>
             </a:extLst>
           </p:cNvPr>
@@ -2958,7 +2958,7 @@
           <p:cNvPr id="6" name="灯片编号占位符 5">
             <a:extLst>
               <a:ext uri="{FF2B5EF4-FFF2-40B4-BE49-F238E27FC236}">
-                <a16:creationId xmlns:a16="http://schemas.microsoft.com/office/drawing/2014/main" id="{5AC32122-3176-3DD6-D6C4-7A36552055F2}"/>
+                <a16:creationId xmlns:a16="http://schemas.microsoft.com/office/drawing/2014/main" id="{A21FFAA2-F045-329E-A443-E521D5894B6B}"/>
               </a:ext>
             </a:extLst>
           </p:cNvPr>
@@ -2992,7 +2992,7 @@
             </a:lvl1pPr>
           </a:lstStyle>
           <a:p>
-            <a:fld id="{8EEE5BE5-B43B-4C5D-8122-BB3DFE96128A}" type="slidenum">
+            <a:fld id="{EC53DE58-2B02-4D7A-B0E7-4AD0EE5419A5}" type="slidenum">
               <a:rPr lang="zh-CN" altLang="en-US" smtClean="0"/>
               <a:t>‹#›</a:t>
             </a:fld>
@@ -3003,7 +3003,7 @@
     </p:spTree>
     <p:extLst>
       <p:ext uri="{BB962C8B-B14F-4D97-AF65-F5344CB8AC3E}">
-        <p14:creationId xmlns:p14="http://schemas.microsoft.com/office/powerpoint/2010/main" val="2118246703"/>
+        <p14:creationId xmlns:p14="http://schemas.microsoft.com/office/powerpoint/2010/main" val="876702013"/>
       </p:ext>
     </p:extLst>
   </p:cSld>
@@ -3323,7 +3323,7 @@
       </p:grpSpPr>
       <p:pic>
         <p:nvPicPr>
-          <p:cNvPr id="1287170" name="Picture 2" descr="1256"/>
+          <p:cNvPr id="1288194" name="Picture 2" descr="1257"/>
           <p:cNvPicPr>
             <a:picLocks noChangeAspect="1" noChangeArrowheads="1"/>
           </p:cNvPicPr>
@@ -3344,8 +3344,8 @@
         </p:blipFill>
         <p:spPr bwMode="auto">
           <a:xfrm>
-            <a:off x="1524000" y="0"/>
-            <a:ext cx="9144000" cy="6858000"/>
+            <a:off x="1524000" y="1"/>
+            <a:ext cx="9144000" cy="3933825"/>
           </a:xfrm>
           <a:prstGeom prst="rect">
             <a:avLst/>
